--- a/UML Chart.pptx
+++ b/UML Chart.pptx
@@ -3930,7 +3930,11 @@
             <a:pPr lvl="0"/>
             <a:r>
               <a:rPr lang="en-US" sz="1300" dirty="0" smtClean="0"/>
-              <a:t>+ ~Article()</a:t>
+              <a:t>+ ~</a:t>
+            </a:r>
+            <a:r>
+              <a:rPr lang="en-US" sz="1300" smtClean="0"/>
+              <a:t>Article():</a:t>
             </a:r>
             <a:endParaRPr lang="en-US" sz="1300" dirty="0"/>
           </a:p>
